--- a/inst/submitted/revised/twocams.pptx
+++ b/inst/submitted/revised/twocams.pptx
@@ -261,7 +261,7 @@
           <a:p>
             <a:fld id="{25551995-69E4-F54F-9779-ABE2215ACB89}" type="datetimeFigureOut">
               <a:rPr lang="en-US" smtClean="0"/>
-              <a:t>7/16/20</a:t>
+              <a:t>7/25/20</a:t>
             </a:fld>
             <a:endParaRPr lang="en-US"/>
           </a:p>
@@ -461,7 +461,7 @@
           <a:p>
             <a:fld id="{25551995-69E4-F54F-9779-ABE2215ACB89}" type="datetimeFigureOut">
               <a:rPr lang="en-US" smtClean="0"/>
-              <a:t>7/16/20</a:t>
+              <a:t>7/25/20</a:t>
             </a:fld>
             <a:endParaRPr lang="en-US"/>
           </a:p>
@@ -671,7 +671,7 @@
           <a:p>
             <a:fld id="{25551995-69E4-F54F-9779-ABE2215ACB89}" type="datetimeFigureOut">
               <a:rPr lang="en-US" smtClean="0"/>
-              <a:t>7/16/20</a:t>
+              <a:t>7/25/20</a:t>
             </a:fld>
             <a:endParaRPr lang="en-US"/>
           </a:p>
@@ -871,7 +871,7 @@
           <a:p>
             <a:fld id="{25551995-69E4-F54F-9779-ABE2215ACB89}" type="datetimeFigureOut">
               <a:rPr lang="en-US" smtClean="0"/>
-              <a:t>7/16/20</a:t>
+              <a:t>7/25/20</a:t>
             </a:fld>
             <a:endParaRPr lang="en-US"/>
           </a:p>
@@ -1147,7 +1147,7 @@
           <a:p>
             <a:fld id="{25551995-69E4-F54F-9779-ABE2215ACB89}" type="datetimeFigureOut">
               <a:rPr lang="en-US" smtClean="0"/>
-              <a:t>7/16/20</a:t>
+              <a:t>7/25/20</a:t>
             </a:fld>
             <a:endParaRPr lang="en-US"/>
           </a:p>
@@ -1415,7 +1415,7 @@
           <a:p>
             <a:fld id="{25551995-69E4-F54F-9779-ABE2215ACB89}" type="datetimeFigureOut">
               <a:rPr lang="en-US" smtClean="0"/>
-              <a:t>7/16/20</a:t>
+              <a:t>7/25/20</a:t>
             </a:fld>
             <a:endParaRPr lang="en-US"/>
           </a:p>
@@ -1830,7 +1830,7 @@
           <a:p>
             <a:fld id="{25551995-69E4-F54F-9779-ABE2215ACB89}" type="datetimeFigureOut">
               <a:rPr lang="en-US" smtClean="0"/>
-              <a:t>7/16/20</a:t>
+              <a:t>7/25/20</a:t>
             </a:fld>
             <a:endParaRPr lang="en-US"/>
           </a:p>
@@ -1972,7 +1972,7 @@
           <a:p>
             <a:fld id="{25551995-69E4-F54F-9779-ABE2215ACB89}" type="datetimeFigureOut">
               <a:rPr lang="en-US" smtClean="0"/>
-              <a:t>7/16/20</a:t>
+              <a:t>7/25/20</a:t>
             </a:fld>
             <a:endParaRPr lang="en-US"/>
           </a:p>
@@ -2085,7 +2085,7 @@
           <a:p>
             <a:fld id="{25551995-69E4-F54F-9779-ABE2215ACB89}" type="datetimeFigureOut">
               <a:rPr lang="en-US" smtClean="0"/>
-              <a:t>7/16/20</a:t>
+              <a:t>7/25/20</a:t>
             </a:fld>
             <a:endParaRPr lang="en-US"/>
           </a:p>
@@ -2398,7 +2398,7 @@
           <a:p>
             <a:fld id="{25551995-69E4-F54F-9779-ABE2215ACB89}" type="datetimeFigureOut">
               <a:rPr lang="en-US" smtClean="0"/>
-              <a:t>7/16/20</a:t>
+              <a:t>7/25/20</a:t>
             </a:fld>
             <a:endParaRPr lang="en-US"/>
           </a:p>
@@ -2687,7 +2687,7 @@
           <a:p>
             <a:fld id="{25551995-69E4-F54F-9779-ABE2215ACB89}" type="datetimeFigureOut">
               <a:rPr lang="en-US" smtClean="0"/>
-              <a:t>7/16/20</a:t>
+              <a:t>7/25/20</a:t>
             </a:fld>
             <a:endParaRPr lang="en-US"/>
           </a:p>
@@ -2930,7 +2930,7 @@
           <a:p>
             <a:fld id="{25551995-69E4-F54F-9779-ABE2215ACB89}" type="datetimeFigureOut">
               <a:rPr lang="en-US" smtClean="0"/>
-              <a:t>7/16/20</a:t>
+              <a:t>7/25/20</a:t>
             </a:fld>
             <a:endParaRPr lang="en-US"/>
           </a:p>
@@ -4206,7 +4206,7 @@
         </p:nvSpPr>
         <p:spPr>
           <a:xfrm>
-            <a:off x="9072669" y="4296211"/>
+            <a:off x="8858099" y="4537346"/>
             <a:ext cx="293077" cy="374103"/>
           </a:xfrm>
           <a:prstGeom prst="rect">
@@ -4799,7 +4799,7 @@
                 <a:latin typeface="Times New Roman" panose="02020603050405020304" pitchFamily="18" charset="0"/>
                 <a:cs typeface="Times New Roman" panose="02020603050405020304" pitchFamily="18" charset="0"/>
               </a:rPr>
-              <a:t>Z</a:t>
+              <a:t>U</a:t>
             </a:r>
             <a:r>
               <a:rPr lang="en-US" i="1" baseline="-25000" dirty="0">
@@ -4854,7 +4854,7 @@
           <a:lstStyle/>
           <a:p>
             <a:r>
-              <a:rPr lang="en-US" i="1" dirty="0">
+              <a:rPr lang="en-US" i="1">
                 <a:solidFill>
                   <a:schemeClr val="bg1">
                     <a:lumMod val="50000"/>
@@ -4863,10 +4863,10 @@
                 <a:latin typeface="Times New Roman" panose="02020603050405020304" pitchFamily="18" charset="0"/>
                 <a:cs typeface="Times New Roman" panose="02020603050405020304" pitchFamily="18" charset="0"/>
               </a:rPr>
-              <a:t>Z</a:t>
-            </a:r>
-            <a:r>
-              <a:rPr lang="en-US" i="1" baseline="-25000" dirty="0">
+              <a:t>U</a:t>
+            </a:r>
+            <a:r>
+              <a:rPr lang="en-US" i="1" baseline="-25000">
                 <a:solidFill>
                   <a:schemeClr val="bg1">
                     <a:lumMod val="50000"/>
@@ -4878,7 +4878,7 @@
               <a:t>0</a:t>
             </a:r>
             <a:r>
-              <a:rPr lang="en-US" i="1" dirty="0">
+              <a:rPr lang="en-US" i="1">
                 <a:solidFill>
                   <a:schemeClr val="bg1">
                     <a:lumMod val="50000"/>
@@ -4959,7 +4959,7 @@
         </p:nvSpPr>
         <p:spPr>
           <a:xfrm>
-            <a:off x="6218109" y="3234457"/>
+            <a:off x="5651753" y="3361083"/>
             <a:ext cx="293077" cy="374103"/>
           </a:xfrm>
           <a:prstGeom prst="rect">
